--- a/pres-source/09-NoSQL-databases.pptx
+++ b/pres-source/09-NoSQL-databases.pptx
@@ -220,7 +220,7 @@
             <a:fld id="{7307762F-A706-E543-A832-3C298AA3103F}" type="datetimeFigureOut">
               <a:rPr lang="en-US" smtClean="0"/>
               <a:pPr/>
-              <a:t>22/08/17</a:t>
+              <a:t>13/09/17</a:t>
             </a:fld>
             <a:endParaRPr lang="en-US" dirty="0"/>
           </a:p>
@@ -787,7 +787,7 @@
           <a:p>
             <a:fld id="{875CF0EB-321F-0749-B37A-89BBA859503C}" type="datetimeFigureOut">
               <a:rPr lang="en-US" smtClean="0"/>
-              <a:t>22/08/17</a:t>
+              <a:t>13/09/17</a:t>
             </a:fld>
             <a:endParaRPr lang="en-US"/>
           </a:p>
@@ -991,7 +991,7 @@
           <a:p>
             <a:fld id="{875CF0EB-321F-0749-B37A-89BBA859503C}" type="datetimeFigureOut">
               <a:rPr lang="en-US" smtClean="0"/>
-              <a:t>22/08/17</a:t>
+              <a:t>13/09/17</a:t>
             </a:fld>
             <a:endParaRPr lang="en-US"/>
           </a:p>
@@ -1185,7 +1185,7 @@
           <a:p>
             <a:fld id="{875CF0EB-321F-0749-B37A-89BBA859503C}" type="datetimeFigureOut">
               <a:rPr lang="en-US" smtClean="0"/>
-              <a:t>22/08/17</a:t>
+              <a:t>13/09/17</a:t>
             </a:fld>
             <a:endParaRPr lang="en-US"/>
           </a:p>
@@ -1455,7 +1455,7 @@
           <a:p>
             <a:fld id="{875CF0EB-321F-0749-B37A-89BBA859503C}" type="datetimeFigureOut">
               <a:rPr lang="en-US" smtClean="0"/>
-              <a:t>22/08/17</a:t>
+              <a:t>13/09/17</a:t>
             </a:fld>
             <a:endParaRPr lang="en-US"/>
           </a:p>
@@ -1767,7 +1767,7 @@
           <a:p>
             <a:fld id="{875CF0EB-321F-0749-B37A-89BBA859503C}" type="datetimeFigureOut">
               <a:rPr lang="en-US" smtClean="0"/>
-              <a:t>22/08/17</a:t>
+              <a:t>13/09/17</a:t>
             </a:fld>
             <a:endParaRPr lang="en-US"/>
           </a:p>
@@ -2213,7 +2213,7 @@
           <a:p>
             <a:fld id="{875CF0EB-321F-0749-B37A-89BBA859503C}" type="datetimeFigureOut">
               <a:rPr lang="en-US" smtClean="0"/>
-              <a:t>22/08/17</a:t>
+              <a:t>13/09/17</a:t>
             </a:fld>
             <a:endParaRPr lang="en-US"/>
           </a:p>
@@ -2355,7 +2355,7 @@
           <a:p>
             <a:fld id="{875CF0EB-321F-0749-B37A-89BBA859503C}" type="datetimeFigureOut">
               <a:rPr lang="en-US" smtClean="0"/>
-              <a:t>22/08/17</a:t>
+              <a:t>13/09/17</a:t>
             </a:fld>
             <a:endParaRPr lang="en-US"/>
           </a:p>
@@ -2474,7 +2474,7 @@
           <a:p>
             <a:fld id="{875CF0EB-321F-0749-B37A-89BBA859503C}" type="datetimeFigureOut">
               <a:rPr lang="en-US" smtClean="0"/>
-              <a:t>22/08/17</a:t>
+              <a:t>13/09/17</a:t>
             </a:fld>
             <a:endParaRPr lang="en-US"/>
           </a:p>
@@ -2775,7 +2775,7 @@
           <a:p>
             <a:fld id="{875CF0EB-321F-0749-B37A-89BBA859503C}" type="datetimeFigureOut">
               <a:rPr lang="en-US" smtClean="0"/>
-              <a:t>22/08/17</a:t>
+              <a:t>13/09/17</a:t>
             </a:fld>
             <a:endParaRPr lang="en-US"/>
           </a:p>
@@ -3052,7 +3052,7 @@
           <a:p>
             <a:fld id="{875CF0EB-321F-0749-B37A-89BBA859503C}" type="datetimeFigureOut">
               <a:rPr lang="en-US" smtClean="0"/>
-              <a:t>22/08/17</a:t>
+              <a:t>13/09/17</a:t>
             </a:fld>
             <a:endParaRPr lang="en-US"/>
           </a:p>
@@ -6119,25 +6119,6 @@
               <a:t>Questions?</a:t>
             </a:r>
             <a:endParaRPr lang="en-US" dirty="0"/>
-          </a:p>
-        </p:txBody>
-      </p:sp>
-      <p:sp>
-        <p:nvSpPr>
-          <p:cNvPr id="3" name="Content Placeholder 2"/>
-          <p:cNvSpPr>
-            <a:spLocks noGrp="1"/>
-          </p:cNvSpPr>
-          <p:nvPr>
-            <p:ph idx="1"/>
-          </p:nvPr>
-        </p:nvSpPr>
-        <p:spPr/>
-        <p:txBody>
-          <a:bodyPr/>
-          <a:lstStyle/>
-          <a:p>
-            <a:endParaRPr lang="en-US"/>
           </a:p>
         </p:txBody>
       </p:sp>

--- a/pres-source/09-NoSQL-databases.pptx
+++ b/pres-source/09-NoSQL-databases.pptx
@@ -220,7 +220,7 @@
             <a:fld id="{7307762F-A706-E543-A832-3C298AA3103F}" type="datetimeFigureOut">
               <a:rPr lang="en-US" smtClean="0"/>
               <a:pPr/>
-              <a:t>13/09/17</a:t>
+              <a:t>18/07/18</a:t>
             </a:fld>
             <a:endParaRPr lang="en-US" dirty="0"/>
           </a:p>
@@ -787,7 +787,7 @@
           <a:p>
             <a:fld id="{875CF0EB-321F-0749-B37A-89BBA859503C}" type="datetimeFigureOut">
               <a:rPr lang="en-US" smtClean="0"/>
-              <a:t>13/09/17</a:t>
+              <a:t>18/07/18</a:t>
             </a:fld>
             <a:endParaRPr lang="en-US"/>
           </a:p>
@@ -991,7 +991,7 @@
           <a:p>
             <a:fld id="{875CF0EB-321F-0749-B37A-89BBA859503C}" type="datetimeFigureOut">
               <a:rPr lang="en-US" smtClean="0"/>
-              <a:t>13/09/17</a:t>
+              <a:t>18/07/18</a:t>
             </a:fld>
             <a:endParaRPr lang="en-US"/>
           </a:p>
@@ -1185,7 +1185,7 @@
           <a:p>
             <a:fld id="{875CF0EB-321F-0749-B37A-89BBA859503C}" type="datetimeFigureOut">
               <a:rPr lang="en-US" smtClean="0"/>
-              <a:t>13/09/17</a:t>
+              <a:t>18/07/18</a:t>
             </a:fld>
             <a:endParaRPr lang="en-US"/>
           </a:p>
@@ -1455,7 +1455,7 @@
           <a:p>
             <a:fld id="{875CF0EB-321F-0749-B37A-89BBA859503C}" type="datetimeFigureOut">
               <a:rPr lang="en-US" smtClean="0"/>
-              <a:t>13/09/17</a:t>
+              <a:t>18/07/18</a:t>
             </a:fld>
             <a:endParaRPr lang="en-US"/>
           </a:p>
@@ -1767,7 +1767,7 @@
           <a:p>
             <a:fld id="{875CF0EB-321F-0749-B37A-89BBA859503C}" type="datetimeFigureOut">
               <a:rPr lang="en-US" smtClean="0"/>
-              <a:t>13/09/17</a:t>
+              <a:t>18/07/18</a:t>
             </a:fld>
             <a:endParaRPr lang="en-US"/>
           </a:p>
@@ -2213,7 +2213,7 @@
           <a:p>
             <a:fld id="{875CF0EB-321F-0749-B37A-89BBA859503C}" type="datetimeFigureOut">
               <a:rPr lang="en-US" smtClean="0"/>
-              <a:t>13/09/17</a:t>
+              <a:t>18/07/18</a:t>
             </a:fld>
             <a:endParaRPr lang="en-US"/>
           </a:p>
@@ -2355,7 +2355,7 @@
           <a:p>
             <a:fld id="{875CF0EB-321F-0749-B37A-89BBA859503C}" type="datetimeFigureOut">
               <a:rPr lang="en-US" smtClean="0"/>
-              <a:t>13/09/17</a:t>
+              <a:t>18/07/18</a:t>
             </a:fld>
             <a:endParaRPr lang="en-US"/>
           </a:p>
@@ -2474,7 +2474,7 @@
           <a:p>
             <a:fld id="{875CF0EB-321F-0749-B37A-89BBA859503C}" type="datetimeFigureOut">
               <a:rPr lang="en-US" smtClean="0"/>
-              <a:t>13/09/17</a:t>
+              <a:t>18/07/18</a:t>
             </a:fld>
             <a:endParaRPr lang="en-US"/>
           </a:p>
@@ -2775,7 +2775,7 @@
           <a:p>
             <a:fld id="{875CF0EB-321F-0749-B37A-89BBA859503C}" type="datetimeFigureOut">
               <a:rPr lang="en-US" smtClean="0"/>
-              <a:t>13/09/17</a:t>
+              <a:t>18/07/18</a:t>
             </a:fld>
             <a:endParaRPr lang="en-US"/>
           </a:p>
@@ -3052,7 +3052,7 @@
           <a:p>
             <a:fld id="{875CF0EB-321F-0749-B37A-89BBA859503C}" type="datetimeFigureOut">
               <a:rPr lang="en-US" smtClean="0"/>
-              <a:t>13/09/17</a:t>
+              <a:t>18/07/18</a:t>
             </a:fld>
             <a:endParaRPr lang="en-US"/>
           </a:p>
@@ -3979,7 +3979,7 @@
                 <a:ea typeface="ヒラギノ角ゴ ProN W3" charset="0"/>
                 <a:cs typeface="ヒラギノ角ゴ ProN W3" charset="0"/>
               </a:rPr>
-              <a:t>Sept 2017</a:t>
+              <a:t>July 2018</a:t>
             </a:r>
             <a:endParaRPr lang="en-US" dirty="0">
               <a:ea typeface="ヒラギノ角ゴ ProN W3" charset="0"/>
